--- a/Worldwide Metro Systems.pptx
+++ b/Worldwide Metro Systems.pptx
@@ -1075,7 +1075,7 @@
         </p:nvSpPr>
         <p:spPr>
           <a:xfrm>
-            <a:off x="381300" y="685800"/>
+            <a:off x="381000" y="685800"/>
             <a:ext cx="6096000" cy="3429000"/>
           </a:xfrm>
           <a:custGeom>
@@ -10393,8 +10393,8 @@
         </p:blipFill>
         <p:spPr>
           <a:xfrm>
-            <a:off x="619775" y="152400"/>
-            <a:ext cx="7904443" cy="4838701"/>
+            <a:off x="812246" y="101600"/>
+            <a:ext cx="7519507" cy="4652434"/>
           </a:xfrm>
           <a:prstGeom prst="rect">
             <a:avLst/>
@@ -10405,6 +10405,59 @@
           </a:ln>
         </p:spPr>
       </p:pic>
+      <p:sp>
+        <p:nvSpPr>
+          <p:cNvPr id="2" name="TextBox 1">
+            <a:extLst>
+              <a:ext uri="{FF2B5EF4-FFF2-40B4-BE49-F238E27FC236}">
+                <a16:creationId xmlns:a16="http://schemas.microsoft.com/office/drawing/2014/main" id="{69B75F66-CF66-4FE3-A54B-447AD139DFCF}"/>
+              </a:ext>
+            </a:extLst>
+          </p:cNvPr>
+          <p:cNvSpPr txBox="1"/>
+          <p:nvPr/>
+        </p:nvSpPr>
+        <p:spPr>
+          <a:xfrm>
+            <a:off x="2524293" y="4795247"/>
+            <a:ext cx="2988319" cy="307777"/>
+          </a:xfrm>
+          <a:prstGeom prst="rect">
+            <a:avLst/>
+          </a:prstGeom>
+          <a:solidFill>
+            <a:schemeClr val="bg1"/>
+          </a:solidFill>
+        </p:spPr>
+        <p:txBody>
+          <a:bodyPr wrap="none" rtlCol="0">
+            <a:spAutoFit/>
+          </a:bodyPr>
+          <a:lstStyle/>
+          <a:p>
+            <a:r>
+              <a:rPr lang="en-US" dirty="0">
+                <a:solidFill>
+                  <a:srgbClr val="FF0000"/>
+                </a:solidFill>
+                <a:hlinkClick r:id="rId4">
+                  <a:extLst>
+                    <a:ext uri="{A12FA001-AC4F-418D-AE19-62706E023703}">
+                      <ahyp:hlinkClr xmlns:ahyp="http://schemas.microsoft.com/office/drawing/2018/hyperlinkcolor" val="tx"/>
+                    </a:ext>
+                  </a:extLst>
+                </a:hlinkClick>
+              </a:rPr>
+              <a:t>Metro-Systems-Worldwide | Kaggle</a:t>
+            </a:r>
+            <a:endParaRPr lang="en-US" dirty="0">
+              <a:solidFill>
+                <a:srgbClr val="FF0000"/>
+              </a:solidFill>
+            </a:endParaRPr>
+          </a:p>
+        </p:txBody>
+      </p:sp>
     </p:spTree>
   </p:cSld>
   <p:clrMapOvr>

--- a/Worldwide Metro Systems.pptx
+++ b/Worldwide Metro Systems.pptx
@@ -971,7 +971,7 @@
         </p:nvSpPr>
         <p:spPr>
           <a:xfrm>
-            <a:off x="381300" y="685800"/>
+            <a:off x="381000" y="685800"/>
             <a:ext cx="6096000" cy="3429000"/>
           </a:xfrm>
           <a:custGeom>
@@ -10310,7 +10310,11 @@
               </a:spcAft>
               <a:buNone/>
             </a:pPr>
-            <a:endParaRPr/>
+            <a:r>
+              <a:rPr lang="en-US" dirty="0"/>
+              <a:t>Our analysis confirms that while many regions around the world have recognized the importance of robust transit systems and have invested in them, there are significant gaps, especially in Africa and India. These areas require urgent attention to enhance their transit capacities.</a:t>
+            </a:r>
+            <a:endParaRPr dirty="0"/>
           </a:p>
         </p:txBody>
       </p:sp>
@@ -10348,7 +10352,11 @@
               </a:spcAft>
               <a:buNone/>
             </a:pPr>
-            <a:endParaRPr/>
+            <a:r>
+              <a:rPr lang="en-US" dirty="0"/>
+              <a:t>Analysis of current subway systems identifies several relationships that should be considered in the design of future subways.  For example, the number of subway stations per distance of subway system.</a:t>
+            </a:r>
+            <a:endParaRPr dirty="0"/>
           </a:p>
         </p:txBody>
       </p:sp>

--- a/Worldwide Metro Systems.pptx
+++ b/Worldwide Metro Systems.pptx
@@ -10269,10 +10269,10 @@
               <a:buNone/>
             </a:pPr>
             <a:r>
-              <a:rPr lang="en"/>
-              <a:t>Conclusions and Future Analysis</a:t>
+              <a:rPr lang="en" dirty="0"/>
+              <a:t>Conclusions</a:t>
             </a:r>
-            <a:endParaRPr/>
+            <a:endParaRPr dirty="0"/>
           </a:p>
         </p:txBody>
       </p:sp>
